--- a/doc/Friendly wallet.pptx
+++ b/doc/Friendly wallet.pptx
@@ -268,7 +268,7 @@
           <a:p>
             <a:fld id="{5FB56E72-BE35-4390-808F-D680586ACA89}" type="datetimeFigureOut">
               <a:rPr lang="ru-RU" smtClean="0"/>
-              <a:t>03.04.2015</a:t>
+              <a:t>30.04.2015</a:t>
             </a:fld>
             <a:endParaRPr lang="ru-RU"/>
           </a:p>
@@ -627,7 +627,7 @@
           <a:p>
             <a:fld id="{5FB56E72-BE35-4390-808F-D680586ACA89}" type="datetimeFigureOut">
               <a:rPr lang="ru-RU" smtClean="0"/>
-              <a:t>03.04.2015</a:t>
+              <a:t>30.04.2015</a:t>
             </a:fld>
             <a:endParaRPr lang="ru-RU"/>
           </a:p>
@@ -802,7 +802,7 @@
           <a:p>
             <a:fld id="{5FB56E72-BE35-4390-808F-D680586ACA89}" type="datetimeFigureOut">
               <a:rPr lang="ru-RU" smtClean="0"/>
-              <a:t>03.04.2015</a:t>
+              <a:t>30.04.2015</a:t>
             </a:fld>
             <a:endParaRPr lang="ru-RU"/>
           </a:p>
@@ -1037,7 +1037,7 @@
           <a:p>
             <a:fld id="{5FB56E72-BE35-4390-808F-D680586ACA89}" type="datetimeFigureOut">
               <a:rPr lang="ru-RU" smtClean="0"/>
-              <a:t>03.04.2015</a:t>
+              <a:t>30.04.2015</a:t>
             </a:fld>
             <a:endParaRPr lang="ru-RU"/>
           </a:p>
@@ -1306,7 +1306,7 @@
           <a:p>
             <a:fld id="{5FB56E72-BE35-4390-808F-D680586ACA89}" type="datetimeFigureOut">
               <a:rPr lang="ru-RU" smtClean="0"/>
-              <a:t>03.04.2015</a:t>
+              <a:t>30.04.2015</a:t>
             </a:fld>
             <a:endParaRPr lang="ru-RU"/>
           </a:p>
@@ -1526,7 +1526,7 @@
           <a:p>
             <a:fld id="{5FB56E72-BE35-4390-808F-D680586ACA89}" type="datetimeFigureOut">
               <a:rPr lang="ru-RU" smtClean="0"/>
-              <a:t>03.04.2015</a:t>
+              <a:t>30.04.2015</a:t>
             </a:fld>
             <a:endParaRPr lang="ru-RU"/>
           </a:p>
@@ -1878,7 +1878,7 @@
           <a:p>
             <a:fld id="{5FB56E72-BE35-4390-808F-D680586ACA89}" type="datetimeFigureOut">
               <a:rPr lang="ru-RU" smtClean="0"/>
-              <a:t>03.04.2015</a:t>
+              <a:t>30.04.2015</a:t>
             </a:fld>
             <a:endParaRPr lang="ru-RU"/>
           </a:p>
@@ -2110,7 +2110,7 @@
           <a:p>
             <a:fld id="{5FB56E72-BE35-4390-808F-D680586ACA89}" type="datetimeFigureOut">
               <a:rPr lang="ru-RU" smtClean="0"/>
-              <a:t>03.04.2015</a:t>
+              <a:t>30.04.2015</a:t>
             </a:fld>
             <a:endParaRPr lang="ru-RU"/>
           </a:p>
@@ -2250,7 +2250,7 @@
           <a:p>
             <a:fld id="{5FB56E72-BE35-4390-808F-D680586ACA89}" type="datetimeFigureOut">
               <a:rPr lang="ru-RU" smtClean="0"/>
-              <a:t>03.04.2015</a:t>
+              <a:t>30.04.2015</a:t>
             </a:fld>
             <a:endParaRPr lang="ru-RU"/>
           </a:p>
@@ -2527,7 +2527,7 @@
           <a:p>
             <a:fld id="{5FB56E72-BE35-4390-808F-D680586ACA89}" type="datetimeFigureOut">
               <a:rPr lang="ru-RU" smtClean="0"/>
-              <a:t>03.04.2015</a:t>
+              <a:t>30.04.2015</a:t>
             </a:fld>
             <a:endParaRPr lang="ru-RU"/>
           </a:p>
@@ -2934,7 +2934,7 @@
           <a:p>
             <a:fld id="{5FB56E72-BE35-4390-808F-D680586ACA89}" type="datetimeFigureOut">
               <a:rPr lang="ru-RU" smtClean="0"/>
-              <a:t>03.04.2015</a:t>
+              <a:t>30.04.2015</a:t>
             </a:fld>
             <a:endParaRPr lang="ru-RU"/>
           </a:p>
@@ -3272,7 +3272,7 @@
           <a:p>
             <a:fld id="{5FB56E72-BE35-4390-808F-D680586ACA89}" type="datetimeFigureOut">
               <a:rPr lang="ru-RU" smtClean="0"/>
-              <a:t>03.04.2015</a:t>
+              <a:t>30.04.2015</a:t>
             </a:fld>
             <a:endParaRPr lang="ru-RU"/>
           </a:p>
